--- a/기획문서/튜토리얼 시나리오.pptx
+++ b/기획문서/튜토리얼 시나리오.pptx
@@ -3457,7 +3457,7 @@
         </p:nvSpPr>
         <p:spPr>
           <a:xfrm>
-            <a:off x="836712" y="8785226"/>
+            <a:off x="832842" y="8665718"/>
             <a:ext cx="5256584" cy="504056"/>
           </a:xfrm>
           <a:prstGeom prst="roundRect">
@@ -3729,7 +3729,7 @@
         </p:nvSpPr>
         <p:spPr>
           <a:xfrm>
-            <a:off x="836712" y="14257834"/>
+            <a:off x="832842" y="14257834"/>
             <a:ext cx="5256584" cy="504056"/>
           </a:xfrm>
           <a:prstGeom prst="roundRect">
